--- a/stud_06_C207_22S1.pptx
+++ b/stud_06_C207_22S1.pptx
@@ -19,7 +19,7 @@
     <p:sldId id="541" r:id="rId7"/>
     <p:sldId id="542" r:id="rId8"/>
     <p:sldId id="534" r:id="rId9"/>
-    <p:sldId id="551" r:id="rId10"/>
+    <p:sldId id="561" r:id="rId10"/>
     <p:sldId id="535" r:id="rId11"/>
     <p:sldId id="560" r:id="rId12"/>
     <p:sldId id="539" r:id="rId13"/>
@@ -287,7 +287,7 @@
               <a:pPr>
                 <a:defRPr/>
               </a:pPr>
-              <a:t>4/4/22</a:t>
+              <a:t>4/5/22</a:t>
             </a:fld>
             <a:endParaRPr lang="en-US"/>
           </a:p>
@@ -485,7 +485,7 @@
               <a:pPr>
                 <a:defRPr/>
               </a:pPr>
-              <a:t>4/4/22</a:t>
+              <a:t>4/5/22</a:t>
             </a:fld>
             <a:endParaRPr lang="en-US"/>
           </a:p>
@@ -1044,7 +1044,7 @@
             </a:r>
             <a:fld id="{34199234-A25A-904C-9B74-56A4A07707A6}" type="datetime4">
               <a:rPr lang="en-AU" smtClean="0"/>
-              <a:t>4 April 2022</a:t>
+              <a:t>5 April 2022</a:t>
             </a:fld>
             <a:endParaRPr lang="en-US" dirty="0"/>
           </a:p>
@@ -1352,7 +1352,7 @@
             </a:r>
             <a:fld id="{A9DEA08E-4CB3-E742-9AC2-43959A293033}" type="datetime4">
               <a:rPr lang="en-AU" smtClean="0"/>
-              <a:t>4 April 2022</a:t>
+              <a:t>5 April 2022</a:t>
             </a:fld>
             <a:endParaRPr lang="en-US" dirty="0"/>
           </a:p>
@@ -1479,14 +1479,14 @@
           </a:ln>
           <a:extLst>
             <a:ext uri="{909E8E84-426E-40dd-AFC4-6F175D3DCCD1}">
-              <a14:hiddenFill xmlns:a14="http://schemas.microsoft.com/office/drawing/2010/main" xmlns="">
+              <a14:hiddenFill xmlns="" xmlns:a14="http://schemas.microsoft.com/office/drawing/2010/main">
                 <a:solidFill>
                   <a:srgbClr val="FFFFFF"/>
                 </a:solidFill>
               </a14:hiddenFill>
             </a:ext>
             <a:ext uri="{91240B29-F687-4f45-9708-019B960494DF}">
-              <a14:hiddenLine xmlns:a14="http://schemas.microsoft.com/office/drawing/2010/main" xmlns="" w="9525">
+              <a14:hiddenLine xmlns="" xmlns:a14="http://schemas.microsoft.com/office/drawing/2010/main" w="9525">
                 <a:solidFill>
                   <a:srgbClr val="000000"/>
                 </a:solidFill>
@@ -1496,7 +1496,7 @@
               </a14:hiddenLine>
             </a:ext>
             <a:ext uri="{FAA26D3D-D897-4be2-8F04-BA451C77F1D7}">
-              <ma14:placeholderFlag xmlns:ma14="http://schemas.microsoft.com/office/mac/drawingml/2011/main" xmlns="" val="1"/>
+              <ma14:placeholderFlag xmlns="" xmlns:ma14="http://schemas.microsoft.com/office/mac/drawingml/2011/main" val="1"/>
             </a:ext>
           </a:extLst>
         </p:spPr>
@@ -1540,14 +1540,14 @@
           </a:ln>
           <a:extLst>
             <a:ext uri="{909E8E84-426E-40dd-AFC4-6F175D3DCCD1}">
-              <a14:hiddenFill xmlns:a14="http://schemas.microsoft.com/office/drawing/2010/main" xmlns="">
+              <a14:hiddenFill xmlns="" xmlns:a14="http://schemas.microsoft.com/office/drawing/2010/main">
                 <a:solidFill>
                   <a:srgbClr val="FFFFFF"/>
                 </a:solidFill>
               </a14:hiddenFill>
             </a:ext>
             <a:ext uri="{91240B29-F687-4f45-9708-019B960494DF}">
-              <a14:hiddenLine xmlns:a14="http://schemas.microsoft.com/office/drawing/2010/main" xmlns="" w="9525">
+              <a14:hiddenLine xmlns="" xmlns:a14="http://schemas.microsoft.com/office/drawing/2010/main" w="9525">
                 <a:solidFill>
                   <a:srgbClr val="000000"/>
                 </a:solidFill>
@@ -1557,7 +1557,7 @@
               </a14:hiddenLine>
             </a:ext>
             <a:ext uri="{FAA26D3D-D897-4be2-8F04-BA451C77F1D7}">
-              <ma14:placeholderFlag xmlns:ma14="http://schemas.microsoft.com/office/mac/drawingml/2011/main" xmlns="" val="1"/>
+              <ma14:placeholderFlag xmlns="" xmlns:ma14="http://schemas.microsoft.com/office/mac/drawingml/2011/main" val="1"/>
             </a:ext>
           </a:extLst>
         </p:spPr>
@@ -1649,7 +1649,7 @@
             </a:r>
             <a:fld id="{C36B4625-443B-BA4A-9C4D-9655F853EDD2}" type="datetime4">
               <a:rPr lang="en-AU" smtClean="0"/>
-              <a:t>4 April 2022</a:t>
+              <a:t>5 April 2022</a:t>
             </a:fld>
             <a:endParaRPr lang="en-US" dirty="0"/>
           </a:p>
@@ -2327,14 +2327,14 @@
           <a:noFill/>
           <a:extLst>
             <a:ext uri="{909E8E84-426E-40dd-AFC4-6F175D3DCCD1}">
-              <a14:hiddenFill xmlns:a14="http://schemas.microsoft.com/office/drawing/2010/main" xmlns="">
+              <a14:hiddenFill xmlns="" xmlns:a14="http://schemas.microsoft.com/office/drawing/2010/main">
                 <a:solidFill>
                   <a:srgbClr val="FFFFFF"/>
                 </a:solidFill>
               </a14:hiddenFill>
             </a:ext>
             <a:ext uri="{91240B29-F687-4f45-9708-019B960494DF}">
-              <a14:hiddenLine xmlns:a14="http://schemas.microsoft.com/office/drawing/2010/main" xmlns="" w="9525">
+              <a14:hiddenLine xmlns="" xmlns:a14="http://schemas.microsoft.com/office/drawing/2010/main" w="9525">
                 <a:solidFill>
                   <a:srgbClr val="000000"/>
                 </a:solidFill>
@@ -2471,7 +2471,7 @@
                   <a:schemeClr val="bg1"/>
                 </a:solidFill>
               </a:rPr>
-              <a:t>4 April 2022</a:t>
+              <a:t>5 April 2022</a:t>
             </a:fld>
             <a:endParaRPr lang="en-US" sz="1200" dirty="0">
               <a:solidFill>
@@ -2495,14 +2495,14 @@
           <a:noFill/>
           <a:extLst>
             <a:ext uri="{909E8E84-426E-40dd-AFC4-6F175D3DCCD1}">
-              <a14:hiddenFill xmlns:a14="http://schemas.microsoft.com/office/drawing/2010/main" xmlns="">
+              <a14:hiddenFill xmlns="" xmlns:a14="http://schemas.microsoft.com/office/drawing/2010/main">
                 <a:solidFill>
                   <a:srgbClr val="FFFFFF"/>
                 </a:solidFill>
               </a14:hiddenFill>
             </a:ext>
             <a:ext uri="{91240B29-F687-4f45-9708-019B960494DF}">
-              <a14:hiddenLine xmlns:a14="http://schemas.microsoft.com/office/drawing/2010/main" xmlns="" w="9525">
+              <a14:hiddenLine xmlns="" xmlns:a14="http://schemas.microsoft.com/office/drawing/2010/main" w="9525">
                 <a:solidFill>
                   <a:srgbClr val="000000"/>
                 </a:solidFill>
@@ -2654,14 +2654,14 @@
           <a:noFill/>
           <a:extLst>
             <a:ext uri="{909E8E84-426E-40dd-AFC4-6F175D3DCCD1}">
-              <a14:hiddenFill xmlns:a14="http://schemas.microsoft.com/office/drawing/2010/main" xmlns="">
+              <a14:hiddenFill xmlns="" xmlns:a14="http://schemas.microsoft.com/office/drawing/2010/main">
                 <a:solidFill>
                   <a:srgbClr val="FFFFFF"/>
                 </a:solidFill>
               </a14:hiddenFill>
             </a:ext>
             <a:ext uri="{91240B29-F687-4f45-9708-019B960494DF}">
-              <a14:hiddenLine xmlns:a14="http://schemas.microsoft.com/office/drawing/2010/main" xmlns="" w="9525">
+              <a14:hiddenLine xmlns="" xmlns:a14="http://schemas.microsoft.com/office/drawing/2010/main" w="9525">
                 <a:solidFill>
                   <a:srgbClr val="000000"/>
                 </a:solidFill>
@@ -5627,7 +5627,7 @@
             </a:r>
             <a:fld id="{A9DEA08E-4CB3-E742-9AC2-43959A293033}" type="datetime4">
               <a:rPr lang="en-AU" smtClean="0"/>
-              <a:t>4 April 2022</a:t>
+              <a:t>5 April 2022</a:t>
             </a:fld>
             <a:endParaRPr lang="en-US" dirty="0"/>
           </a:p>
@@ -5977,7 +5977,7 @@
             </a:r>
             <a:fld id="{A9DEA08E-4CB3-E742-9AC2-43959A293033}" type="datetime4">
               <a:rPr lang="en-AU" smtClean="0"/>
-              <a:t>4 April 2022</a:t>
+              <a:t>5 April 2022</a:t>
             </a:fld>
             <a:endParaRPr lang="en-US" dirty="0"/>
           </a:p>
@@ -6281,7 +6281,7 @@
             </a:r>
             <a:fld id="{A9DEA08E-4CB3-E742-9AC2-43959A293033}" type="datetime4">
               <a:rPr lang="en-AU" smtClean="0"/>
-              <a:t>4 April 2022</a:t>
+              <a:t>5 April 2022</a:t>
             </a:fld>
             <a:endParaRPr lang="en-US" dirty="0"/>
           </a:p>
@@ -6430,7 +6430,7 @@
             </a:r>
             <a:fld id="{A9DEA08E-4CB3-E742-9AC2-43959A293033}" type="datetime4">
               <a:rPr lang="en-AU" smtClean="0"/>
-              <a:t>4 April 2022</a:t>
+              <a:t>5 April 2022</a:t>
             </a:fld>
             <a:endParaRPr lang="en-US" dirty="0"/>
           </a:p>
@@ -6731,7 +6731,7 @@
             </a:r>
             <a:fld id="{A9DEA08E-4CB3-E742-9AC2-43959A293033}" type="datetime4">
               <a:rPr lang="en-AU" smtClean="0"/>
-              <a:t>4 April 2022</a:t>
+              <a:t>5 April 2022</a:t>
             </a:fld>
             <a:endParaRPr lang="en-US" dirty="0"/>
           </a:p>
@@ -7978,7 +7978,7 @@
             </a:r>
             <a:fld id="{A9DEA08E-4CB3-E742-9AC2-43959A293033}" type="datetime4">
               <a:rPr lang="en-AU" smtClean="0"/>
-              <a:t>4 April 2022</a:t>
+              <a:t>5 April 2022</a:t>
             </a:fld>
             <a:endParaRPr lang="en-US" dirty="0"/>
           </a:p>
@@ -8377,7 +8377,7 @@
                 <a:buFontTx/>
                 <a:buNone/>
               </a:pPr>
-              <a:t>4 April 2022</a:t>
+              <a:t>5 April 2022</a:t>
             </a:fld>
             <a:endParaRPr lang="en-US" altLang="en-US" sz="1200">
               <a:solidFill>
@@ -10136,7 +10136,7 @@
             </a:r>
             <a:fld id="{A9DEA08E-4CB3-E742-9AC2-43959A293033}" type="datetime4">
               <a:rPr lang="en-AU" smtClean="0"/>
-              <a:t>4 April 2022</a:t>
+              <a:t>5 April 2022</a:t>
             </a:fld>
             <a:endParaRPr lang="en-US" dirty="0"/>
           </a:p>
@@ -11043,7 +11043,7 @@
             </a:r>
             <a:fld id="{A9DEA08E-4CB3-E742-9AC2-43959A293033}" type="datetime4">
               <a:rPr lang="en-AU" smtClean="0"/>
-              <a:t>4 April 2022</a:t>
+              <a:t>5 April 2022</a:t>
             </a:fld>
             <a:endParaRPr lang="en-US" dirty="0"/>
           </a:p>
@@ -11556,7 +11556,7 @@
             </a:r>
             <a:fld id="{A9DEA08E-4CB3-E742-9AC2-43959A293033}" type="datetime4">
               <a:rPr lang="en-AU" smtClean="0"/>
-              <a:t>4 April 2022</a:t>
+              <a:t>5 April 2022</a:t>
             </a:fld>
             <a:endParaRPr lang="en-US" dirty="0"/>
           </a:p>
@@ -12860,7 +12860,7 @@
             </a:r>
             <a:fld id="{A9DEA08E-4CB3-E742-9AC2-43959A293033}" type="datetime4">
               <a:rPr lang="en-AU" smtClean="0"/>
-              <a:t>4 April 2022</a:t>
+              <a:t>5 April 2022</a:t>
             </a:fld>
             <a:endParaRPr lang="en-US" dirty="0"/>
           </a:p>
@@ -13316,7 +13316,7 @@
             </a:r>
             <a:fld id="{A9DEA08E-4CB3-E742-9AC2-43959A293033}" type="datetime4">
               <a:rPr lang="en-AU" smtClean="0"/>
-              <a:t>4 April 2022</a:t>
+              <a:t>5 April 2022</a:t>
             </a:fld>
             <a:endParaRPr lang="en-US" dirty="0"/>
           </a:p>
@@ -14429,13 +14429,18 @@
             <p:ph type="title"/>
           </p:nvPr>
         </p:nvSpPr>
-        <p:spPr/>
+        <p:spPr>
+          <a:xfrm>
+            <a:off x="265113" y="107951"/>
+            <a:ext cx="8623300" cy="517086"/>
+          </a:xfrm>
+        </p:spPr>
         <p:txBody>
           <a:bodyPr/>
           <a:lstStyle/>
           <a:p>
             <a:r>
-              <a:rPr lang="en-US" dirty="0"/>
+              <a:rPr lang="en-US" sz="2400" dirty="0"/>
               <a:t>Binary Tree: Recursive Definition</a:t>
             </a:r>
           </a:p>
@@ -14451,65 +14456,124 @@
             <p:ph idx="1"/>
           </p:nvPr>
         </p:nvSpPr>
-        <p:spPr/>
+        <p:spPr>
+          <a:xfrm>
+            <a:off x="203267" y="456782"/>
+            <a:ext cx="8623300" cy="4800600"/>
+          </a:xfrm>
+        </p:spPr>
         <p:txBody>
           <a:bodyPr/>
           <a:lstStyle/>
           <a:p>
             <a:pPr marL="0" indent="0">
+              <a:spcBef>
+                <a:spcPts val="300"/>
+              </a:spcBef>
               <a:buNone/>
             </a:pPr>
             <a:r>
-              <a:rPr lang="en-US" sz="2400" dirty="0"/>
+              <a:rPr lang="en-US" sz="2000" dirty="0"/>
               <a:t>A binary tree is:</a:t>
             </a:r>
           </a:p>
           <a:p>
-            <a:pPr lvl="1"/>
-            <a:r>
-              <a:rPr lang="en-US" sz="2000" dirty="0"/>
+            <a:pPr lvl="1">
+              <a:spcBef>
+                <a:spcPts val="300"/>
+              </a:spcBef>
+            </a:pPr>
+            <a:r>
+              <a:rPr lang="en-US" sz="1800" dirty="0"/>
               <a:t>NULL, or</a:t>
             </a:r>
           </a:p>
           <a:p>
-            <a:pPr lvl="1"/>
-            <a:r>
-              <a:rPr lang="en-US" sz="2000" dirty="0"/>
+            <a:pPr lvl="1">
+              <a:spcBef>
+                <a:spcPts val="300"/>
+              </a:spcBef>
+            </a:pPr>
+            <a:r>
+              <a:rPr lang="en-US" sz="1800" dirty="0"/>
               <a:t>a node, called the tree’s </a:t>
             </a:r>
             <a:r>
-              <a:rPr lang="en-US" sz="2000" i="1" dirty="0"/>
+              <a:rPr lang="en-US" sz="1800" i="1" dirty="0"/>
               <a:t>root node</a:t>
             </a:r>
             <a:r>
-              <a:rPr lang="en-US" sz="2000" dirty="0"/>
-              <a:t>, that contains some data and:</a:t>
-            </a:r>
-          </a:p>
-          <a:p>
-            <a:pPr lvl="2"/>
-            <a:r>
-              <a:rPr lang="en-US" sz="2000" dirty="0"/>
+              <a:rPr lang="en-US" sz="1800" dirty="0"/>
+              <a:t>, that contains:</a:t>
+            </a:r>
+          </a:p>
+          <a:p>
+            <a:pPr lvl="2">
+              <a:spcBef>
+                <a:spcPts val="300"/>
+              </a:spcBef>
+            </a:pPr>
+            <a:r>
+              <a:rPr lang="en-US" sz="1800" dirty="0"/>
+              <a:t> some data, normally including a key, </a:t>
+            </a:r>
+          </a:p>
+          <a:p>
+            <a:pPr lvl="2">
+              <a:spcBef>
+                <a:spcPts val="300"/>
+              </a:spcBef>
+            </a:pPr>
+            <a:r>
+              <a:rPr lang="en-US" sz="1800" dirty="0"/>
               <a:t>a link to another binary tree called the root’s </a:t>
             </a:r>
             <a:r>
-              <a:rPr lang="en-US" sz="2000" i="1" dirty="0"/>
+              <a:rPr lang="en-US" sz="1800" i="1" dirty="0"/>
               <a:t>left child</a:t>
             </a:r>
             <a:r>
-              <a:rPr lang="en-US" sz="2000" dirty="0"/>
+              <a:rPr lang="en-US" sz="1800" dirty="0"/>
               <a:t>, and</a:t>
             </a:r>
           </a:p>
           <a:p>
-            <a:pPr lvl="2"/>
-            <a:r>
-              <a:rPr lang="en-US" sz="2000" dirty="0"/>
+            <a:pPr lvl="2">
+              <a:spcBef>
+                <a:spcPts val="300"/>
+              </a:spcBef>
+            </a:pPr>
+            <a:r>
+              <a:rPr lang="en-US" sz="1800" dirty="0"/>
               <a:t>a link to another binary tree called the root’s </a:t>
             </a:r>
             <a:r>
-              <a:rPr lang="en-US" sz="2000" i="1" dirty="0"/>
+              <a:rPr lang="en-US" sz="1800" i="1" dirty="0"/>
               <a:t>right child</a:t>
+            </a:r>
+          </a:p>
+          <a:p>
+            <a:pPr marL="0" indent="0">
+              <a:spcBef>
+                <a:spcPts val="300"/>
+              </a:spcBef>
+              <a:buNone/>
+            </a:pPr>
+            <a:r>
+              <a:rPr lang="en-US" sz="2200" b="1" i="1" dirty="0">
+                <a:solidFill>
+                  <a:srgbClr val="080FAC"/>
+                </a:solidFill>
+              </a:rPr>
+              <a:t>Side note:</a:t>
+            </a:r>
+            <a:r>
+              <a:rPr lang="en-US" sz="2200" i="1" dirty="0">
+                <a:solidFill>
+                  <a:srgbClr val="080FAC"/>
+                </a:solidFill>
+              </a:rPr>
+              <a:t> a non-empty tree is fully defined by its root. For simplicity we use: tree T = its root node = pointer to its root node. </a:t>
             </a:r>
           </a:p>
         </p:txBody>
@@ -15323,7 +15387,7 @@
     </p:spTree>
     <p:extLst>
       <p:ext uri="{BB962C8B-B14F-4D97-AF65-F5344CB8AC3E}">
-        <p14:creationId xmlns:p14="http://schemas.microsoft.com/office/powerpoint/2010/main" val="3833097574"/>
+        <p14:creationId xmlns:p14="http://schemas.microsoft.com/office/powerpoint/2010/main" val="3222171871"/>
       </p:ext>
     </p:extLst>
   </p:cSld>
